--- a/ppt 16-9/0679.称颂耶和华.pptx
+++ b/ppt 16-9/0679.称颂耶和华.pptx
@@ -129,7 +129,7 @@
           <p:cNvPr id="2" name="标题 1">
             <a:extLst>
               <a:ext uri="{FF2B5EF4-FFF2-40B4-BE49-F238E27FC236}">
-                <a16:creationId xmlns:a16="http://schemas.microsoft.com/office/drawing/2014/main" id="{57556ACB-1569-7A18-B388-0F64BA9AB7A9}"/>
+                <a16:creationId xmlns:a16="http://schemas.microsoft.com/office/drawing/2014/main" id="{7A876651-253D-C08F-7FA9-97B3323E3A8F}"/>
               </a:ext>
             </a:extLst>
           </p:cNvPr>
@@ -166,7 +166,7 @@
           <p:cNvPr id="3" name="副标题 2">
             <a:extLst>
               <a:ext uri="{FF2B5EF4-FFF2-40B4-BE49-F238E27FC236}">
-                <a16:creationId xmlns:a16="http://schemas.microsoft.com/office/drawing/2014/main" id="{BC15BE04-D5B6-BBA5-9BD0-2F7F89B29524}"/>
+                <a16:creationId xmlns:a16="http://schemas.microsoft.com/office/drawing/2014/main" id="{3C91D0C4-9905-9BF4-49E8-4CA0C6FA3E38}"/>
               </a:ext>
             </a:extLst>
           </p:cNvPr>
@@ -236,7 +236,7 @@
           <p:cNvPr id="4" name="日期占位符 3">
             <a:extLst>
               <a:ext uri="{FF2B5EF4-FFF2-40B4-BE49-F238E27FC236}">
-                <a16:creationId xmlns:a16="http://schemas.microsoft.com/office/drawing/2014/main" id="{C536BD1F-A213-054E-EABE-4F4B6026B5EB}"/>
+                <a16:creationId xmlns:a16="http://schemas.microsoft.com/office/drawing/2014/main" id="{C047C1B7-9A77-E740-A260-5019F981B62A}"/>
               </a:ext>
             </a:extLst>
           </p:cNvPr>
@@ -252,7 +252,7 @@
           <a:bodyPr/>
           <a:lstStyle/>
           <a:p>
-            <a:fld id="{A049FD9C-C5AA-47FC-BCE1-BB631CFAA1A2}" type="datetimeFigureOut">
+            <a:fld id="{EFC8F163-1BBD-4790-A36E-D954EE7F7B7C}" type="datetimeFigureOut">
               <a:rPr lang="zh-CN" altLang="en-US" smtClean="0"/>
               <a:t>2024/3/10</a:t>
             </a:fld>
@@ -265,7 +265,7 @@
           <p:cNvPr id="5" name="页脚占位符 4">
             <a:extLst>
               <a:ext uri="{FF2B5EF4-FFF2-40B4-BE49-F238E27FC236}">
-                <a16:creationId xmlns:a16="http://schemas.microsoft.com/office/drawing/2014/main" id="{A635A920-EFEF-0158-F912-67CA83F3C6B9}"/>
+                <a16:creationId xmlns:a16="http://schemas.microsoft.com/office/drawing/2014/main" id="{95AE0307-8CB4-622C-6586-A6F52739ED4A}"/>
               </a:ext>
             </a:extLst>
           </p:cNvPr>
@@ -290,7 +290,7 @@
           <p:cNvPr id="6" name="灯片编号占位符 5">
             <a:extLst>
               <a:ext uri="{FF2B5EF4-FFF2-40B4-BE49-F238E27FC236}">
-                <a16:creationId xmlns:a16="http://schemas.microsoft.com/office/drawing/2014/main" id="{ACA38129-BDE0-C4C6-F6D7-DE7CC33C22B0}"/>
+                <a16:creationId xmlns:a16="http://schemas.microsoft.com/office/drawing/2014/main" id="{F3C099CF-B5FD-108C-47AB-ADAAD0CBBB5C}"/>
               </a:ext>
             </a:extLst>
           </p:cNvPr>
@@ -306,7 +306,7 @@
           <a:bodyPr/>
           <a:lstStyle/>
           <a:p>
-            <a:fld id="{71AA3C16-A5F7-4149-8BF9-7E38D5B461E9}" type="slidenum">
+            <a:fld id="{483937A8-2E7D-4659-ABAB-0F66F6902903}" type="slidenum">
               <a:rPr lang="zh-CN" altLang="en-US" smtClean="0"/>
               <a:t>‹#›</a:t>
             </a:fld>
@@ -317,7 +317,7 @@
     </p:spTree>
     <p:extLst>
       <p:ext uri="{BB962C8B-B14F-4D97-AF65-F5344CB8AC3E}">
-        <p14:creationId xmlns:p14="http://schemas.microsoft.com/office/powerpoint/2010/main" val="2921111703"/>
+        <p14:creationId xmlns:p14="http://schemas.microsoft.com/office/powerpoint/2010/main" val="1428484075"/>
       </p:ext>
     </p:extLst>
   </p:cSld>
@@ -349,7 +349,7 @@
           <p:cNvPr id="2" name="标题 1">
             <a:extLst>
               <a:ext uri="{FF2B5EF4-FFF2-40B4-BE49-F238E27FC236}">
-                <a16:creationId xmlns:a16="http://schemas.microsoft.com/office/drawing/2014/main" id="{44C2BFB3-957D-86FE-D9B9-3FA5E76F22E6}"/>
+                <a16:creationId xmlns:a16="http://schemas.microsoft.com/office/drawing/2014/main" id="{AE0F4725-1F06-AC75-6F63-D9ECCF233BED}"/>
               </a:ext>
             </a:extLst>
           </p:cNvPr>
@@ -377,7 +377,7 @@
           <p:cNvPr id="3" name="竖排文字占位符 2">
             <a:extLst>
               <a:ext uri="{FF2B5EF4-FFF2-40B4-BE49-F238E27FC236}">
-                <a16:creationId xmlns:a16="http://schemas.microsoft.com/office/drawing/2014/main" id="{B11BFA61-7DB0-9958-EC17-213CC77929A2}"/>
+                <a16:creationId xmlns:a16="http://schemas.microsoft.com/office/drawing/2014/main" id="{DD9A388C-0606-B0DF-7934-D9CEAEA451A9}"/>
               </a:ext>
             </a:extLst>
           </p:cNvPr>
@@ -434,7 +434,7 @@
           <p:cNvPr id="4" name="日期占位符 3">
             <a:extLst>
               <a:ext uri="{FF2B5EF4-FFF2-40B4-BE49-F238E27FC236}">
-                <a16:creationId xmlns:a16="http://schemas.microsoft.com/office/drawing/2014/main" id="{8D72CAF4-E3D8-EBFC-1508-7DD54D8675FA}"/>
+                <a16:creationId xmlns:a16="http://schemas.microsoft.com/office/drawing/2014/main" id="{BDDA31EC-0099-6302-4702-755E9ED15F2A}"/>
               </a:ext>
             </a:extLst>
           </p:cNvPr>
@@ -450,7 +450,7 @@
           <a:bodyPr/>
           <a:lstStyle/>
           <a:p>
-            <a:fld id="{A049FD9C-C5AA-47FC-BCE1-BB631CFAA1A2}" type="datetimeFigureOut">
+            <a:fld id="{EFC8F163-1BBD-4790-A36E-D954EE7F7B7C}" type="datetimeFigureOut">
               <a:rPr lang="zh-CN" altLang="en-US" smtClean="0"/>
               <a:t>2024/3/10</a:t>
             </a:fld>
@@ -463,7 +463,7 @@
           <p:cNvPr id="5" name="页脚占位符 4">
             <a:extLst>
               <a:ext uri="{FF2B5EF4-FFF2-40B4-BE49-F238E27FC236}">
-                <a16:creationId xmlns:a16="http://schemas.microsoft.com/office/drawing/2014/main" id="{9107F52C-938B-BC1B-0967-777CBBB7FC86}"/>
+                <a16:creationId xmlns:a16="http://schemas.microsoft.com/office/drawing/2014/main" id="{2E27A57D-5E1C-A1D6-D290-D78E2BD9CCE2}"/>
               </a:ext>
             </a:extLst>
           </p:cNvPr>
@@ -488,7 +488,7 @@
           <p:cNvPr id="6" name="灯片编号占位符 5">
             <a:extLst>
               <a:ext uri="{FF2B5EF4-FFF2-40B4-BE49-F238E27FC236}">
-                <a16:creationId xmlns:a16="http://schemas.microsoft.com/office/drawing/2014/main" id="{59B22A7B-FE8B-0A9E-C3E9-7CD7733504AD}"/>
+                <a16:creationId xmlns:a16="http://schemas.microsoft.com/office/drawing/2014/main" id="{B2BC4182-4B29-2504-D188-2D9A377E4C51}"/>
               </a:ext>
             </a:extLst>
           </p:cNvPr>
@@ -504,7 +504,7 @@
           <a:bodyPr/>
           <a:lstStyle/>
           <a:p>
-            <a:fld id="{71AA3C16-A5F7-4149-8BF9-7E38D5B461E9}" type="slidenum">
+            <a:fld id="{483937A8-2E7D-4659-ABAB-0F66F6902903}" type="slidenum">
               <a:rPr lang="zh-CN" altLang="en-US" smtClean="0"/>
               <a:t>‹#›</a:t>
             </a:fld>
@@ -515,7 +515,7 @@
     </p:spTree>
     <p:extLst>
       <p:ext uri="{BB962C8B-B14F-4D97-AF65-F5344CB8AC3E}">
-        <p14:creationId xmlns:p14="http://schemas.microsoft.com/office/powerpoint/2010/main" val="3280169285"/>
+        <p14:creationId xmlns:p14="http://schemas.microsoft.com/office/powerpoint/2010/main" val="30294046"/>
       </p:ext>
     </p:extLst>
   </p:cSld>
@@ -547,7 +547,7 @@
           <p:cNvPr id="2" name="竖排标题 1">
             <a:extLst>
               <a:ext uri="{FF2B5EF4-FFF2-40B4-BE49-F238E27FC236}">
-                <a16:creationId xmlns:a16="http://schemas.microsoft.com/office/drawing/2014/main" id="{8C893B54-B0FA-ABF3-223B-22483FE26F09}"/>
+                <a16:creationId xmlns:a16="http://schemas.microsoft.com/office/drawing/2014/main" id="{A0761701-FDF4-A836-1ED2-3F5FE7C4AE61}"/>
               </a:ext>
             </a:extLst>
           </p:cNvPr>
@@ -580,7 +580,7 @@
           <p:cNvPr id="3" name="竖排文字占位符 2">
             <a:extLst>
               <a:ext uri="{FF2B5EF4-FFF2-40B4-BE49-F238E27FC236}">
-                <a16:creationId xmlns:a16="http://schemas.microsoft.com/office/drawing/2014/main" id="{D05F913D-B86B-FBD2-969A-6C0163D315FB}"/>
+                <a16:creationId xmlns:a16="http://schemas.microsoft.com/office/drawing/2014/main" id="{F94CE7D7-8EE8-CC24-942C-963545F94E43}"/>
               </a:ext>
             </a:extLst>
           </p:cNvPr>
@@ -642,7 +642,7 @@
           <p:cNvPr id="4" name="日期占位符 3">
             <a:extLst>
               <a:ext uri="{FF2B5EF4-FFF2-40B4-BE49-F238E27FC236}">
-                <a16:creationId xmlns:a16="http://schemas.microsoft.com/office/drawing/2014/main" id="{D1874011-B3DA-1E90-D5F9-11A093AA604A}"/>
+                <a16:creationId xmlns:a16="http://schemas.microsoft.com/office/drawing/2014/main" id="{857C661E-E940-86E1-708E-E12778E27775}"/>
               </a:ext>
             </a:extLst>
           </p:cNvPr>
@@ -658,7 +658,7 @@
           <a:bodyPr/>
           <a:lstStyle/>
           <a:p>
-            <a:fld id="{A049FD9C-C5AA-47FC-BCE1-BB631CFAA1A2}" type="datetimeFigureOut">
+            <a:fld id="{EFC8F163-1BBD-4790-A36E-D954EE7F7B7C}" type="datetimeFigureOut">
               <a:rPr lang="zh-CN" altLang="en-US" smtClean="0"/>
               <a:t>2024/3/10</a:t>
             </a:fld>
@@ -671,7 +671,7 @@
           <p:cNvPr id="5" name="页脚占位符 4">
             <a:extLst>
               <a:ext uri="{FF2B5EF4-FFF2-40B4-BE49-F238E27FC236}">
-                <a16:creationId xmlns:a16="http://schemas.microsoft.com/office/drawing/2014/main" id="{0AB58120-E498-974E-F2E6-49B02949FD93}"/>
+                <a16:creationId xmlns:a16="http://schemas.microsoft.com/office/drawing/2014/main" id="{B951F4A6-BC8C-8481-0898-35340DF6668A}"/>
               </a:ext>
             </a:extLst>
           </p:cNvPr>
@@ -696,7 +696,7 @@
           <p:cNvPr id="6" name="灯片编号占位符 5">
             <a:extLst>
               <a:ext uri="{FF2B5EF4-FFF2-40B4-BE49-F238E27FC236}">
-                <a16:creationId xmlns:a16="http://schemas.microsoft.com/office/drawing/2014/main" id="{2F2D4F28-DFC1-4BB7-A54E-30FC072D6B01}"/>
+                <a16:creationId xmlns:a16="http://schemas.microsoft.com/office/drawing/2014/main" id="{998FF177-B123-B2AB-ECFC-CDEE967734ED}"/>
               </a:ext>
             </a:extLst>
           </p:cNvPr>
@@ -712,7 +712,7 @@
           <a:bodyPr/>
           <a:lstStyle/>
           <a:p>
-            <a:fld id="{71AA3C16-A5F7-4149-8BF9-7E38D5B461E9}" type="slidenum">
+            <a:fld id="{483937A8-2E7D-4659-ABAB-0F66F6902903}" type="slidenum">
               <a:rPr lang="zh-CN" altLang="en-US" smtClean="0"/>
               <a:t>‹#›</a:t>
             </a:fld>
@@ -723,7 +723,7 @@
     </p:spTree>
     <p:extLst>
       <p:ext uri="{BB962C8B-B14F-4D97-AF65-F5344CB8AC3E}">
-        <p14:creationId xmlns:p14="http://schemas.microsoft.com/office/powerpoint/2010/main" val="911227966"/>
+        <p14:creationId xmlns:p14="http://schemas.microsoft.com/office/powerpoint/2010/main" val="1998353328"/>
       </p:ext>
     </p:extLst>
   </p:cSld>
@@ -755,7 +755,7 @@
           <p:cNvPr id="2" name="标题 1">
             <a:extLst>
               <a:ext uri="{FF2B5EF4-FFF2-40B4-BE49-F238E27FC236}">
-                <a16:creationId xmlns:a16="http://schemas.microsoft.com/office/drawing/2014/main" id="{F263AB54-D585-4150-3600-BF7E8E5DD0C9}"/>
+                <a16:creationId xmlns:a16="http://schemas.microsoft.com/office/drawing/2014/main" id="{4B543614-76D7-D53C-D7F5-45473BF9DF76}"/>
               </a:ext>
             </a:extLst>
           </p:cNvPr>
@@ -783,7 +783,7 @@
           <p:cNvPr id="3" name="内容占位符 2">
             <a:extLst>
               <a:ext uri="{FF2B5EF4-FFF2-40B4-BE49-F238E27FC236}">
-                <a16:creationId xmlns:a16="http://schemas.microsoft.com/office/drawing/2014/main" id="{6D05F11A-4D9B-6C3A-D77E-75804CE5C840}"/>
+                <a16:creationId xmlns:a16="http://schemas.microsoft.com/office/drawing/2014/main" id="{BC7F3597-68FD-B210-9005-21C922B27817}"/>
               </a:ext>
             </a:extLst>
           </p:cNvPr>
@@ -840,7 +840,7 @@
           <p:cNvPr id="4" name="日期占位符 3">
             <a:extLst>
               <a:ext uri="{FF2B5EF4-FFF2-40B4-BE49-F238E27FC236}">
-                <a16:creationId xmlns:a16="http://schemas.microsoft.com/office/drawing/2014/main" id="{E2C94C17-2128-3948-2FE3-4B62386300A8}"/>
+                <a16:creationId xmlns:a16="http://schemas.microsoft.com/office/drawing/2014/main" id="{204DD015-D8C1-89C2-EC9C-CBD2B6792764}"/>
               </a:ext>
             </a:extLst>
           </p:cNvPr>
@@ -856,7 +856,7 @@
           <a:bodyPr/>
           <a:lstStyle/>
           <a:p>
-            <a:fld id="{A049FD9C-C5AA-47FC-BCE1-BB631CFAA1A2}" type="datetimeFigureOut">
+            <a:fld id="{EFC8F163-1BBD-4790-A36E-D954EE7F7B7C}" type="datetimeFigureOut">
               <a:rPr lang="zh-CN" altLang="en-US" smtClean="0"/>
               <a:t>2024/3/10</a:t>
             </a:fld>
@@ -869,7 +869,7 @@
           <p:cNvPr id="5" name="页脚占位符 4">
             <a:extLst>
               <a:ext uri="{FF2B5EF4-FFF2-40B4-BE49-F238E27FC236}">
-                <a16:creationId xmlns:a16="http://schemas.microsoft.com/office/drawing/2014/main" id="{42D01E1E-B6D0-B0CC-F8AE-60C1E0C0CA85}"/>
+                <a16:creationId xmlns:a16="http://schemas.microsoft.com/office/drawing/2014/main" id="{B3E26CE8-19C5-B689-4810-73604984EFA0}"/>
               </a:ext>
             </a:extLst>
           </p:cNvPr>
@@ -894,7 +894,7 @@
           <p:cNvPr id="6" name="灯片编号占位符 5">
             <a:extLst>
               <a:ext uri="{FF2B5EF4-FFF2-40B4-BE49-F238E27FC236}">
-                <a16:creationId xmlns:a16="http://schemas.microsoft.com/office/drawing/2014/main" id="{E585D791-C2BA-A8E6-9699-CA6D86CF013D}"/>
+                <a16:creationId xmlns:a16="http://schemas.microsoft.com/office/drawing/2014/main" id="{0EE637DE-6455-1B9E-1775-9286D3255DF5}"/>
               </a:ext>
             </a:extLst>
           </p:cNvPr>
@@ -910,7 +910,7 @@
           <a:bodyPr/>
           <a:lstStyle/>
           <a:p>
-            <a:fld id="{71AA3C16-A5F7-4149-8BF9-7E38D5B461E9}" type="slidenum">
+            <a:fld id="{483937A8-2E7D-4659-ABAB-0F66F6902903}" type="slidenum">
               <a:rPr lang="zh-CN" altLang="en-US" smtClean="0"/>
               <a:t>‹#›</a:t>
             </a:fld>
@@ -921,7 +921,7 @@
     </p:spTree>
     <p:extLst>
       <p:ext uri="{BB962C8B-B14F-4D97-AF65-F5344CB8AC3E}">
-        <p14:creationId xmlns:p14="http://schemas.microsoft.com/office/powerpoint/2010/main" val="3689251519"/>
+        <p14:creationId xmlns:p14="http://schemas.microsoft.com/office/powerpoint/2010/main" val="2747694404"/>
       </p:ext>
     </p:extLst>
   </p:cSld>
@@ -953,7 +953,7 @@
           <p:cNvPr id="2" name="标题 1">
             <a:extLst>
               <a:ext uri="{FF2B5EF4-FFF2-40B4-BE49-F238E27FC236}">
-                <a16:creationId xmlns:a16="http://schemas.microsoft.com/office/drawing/2014/main" id="{5CC4EDF4-2BD2-E855-8B0A-BB0951AC8D1D}"/>
+                <a16:creationId xmlns:a16="http://schemas.microsoft.com/office/drawing/2014/main" id="{24AA808E-766A-F25D-8CE7-96AB78A0DD4C}"/>
               </a:ext>
             </a:extLst>
           </p:cNvPr>
@@ -990,7 +990,7 @@
           <p:cNvPr id="3" name="文本占位符 2">
             <a:extLst>
               <a:ext uri="{FF2B5EF4-FFF2-40B4-BE49-F238E27FC236}">
-                <a16:creationId xmlns:a16="http://schemas.microsoft.com/office/drawing/2014/main" id="{0AAFC5EC-8993-505A-30EF-FC0A7CBC5C78}"/>
+                <a16:creationId xmlns:a16="http://schemas.microsoft.com/office/drawing/2014/main" id="{7EB3FF49-56AE-CEAF-BF08-8308F66D7008}"/>
               </a:ext>
             </a:extLst>
           </p:cNvPr>
@@ -1115,7 +1115,7 @@
           <p:cNvPr id="4" name="日期占位符 3">
             <a:extLst>
               <a:ext uri="{FF2B5EF4-FFF2-40B4-BE49-F238E27FC236}">
-                <a16:creationId xmlns:a16="http://schemas.microsoft.com/office/drawing/2014/main" id="{9A68A2EE-9DA2-B560-5C07-F50B401152E0}"/>
+                <a16:creationId xmlns:a16="http://schemas.microsoft.com/office/drawing/2014/main" id="{506B4155-ACBD-16A4-383D-64E6B7223FEF}"/>
               </a:ext>
             </a:extLst>
           </p:cNvPr>
@@ -1131,7 +1131,7 @@
           <a:bodyPr/>
           <a:lstStyle/>
           <a:p>
-            <a:fld id="{A049FD9C-C5AA-47FC-BCE1-BB631CFAA1A2}" type="datetimeFigureOut">
+            <a:fld id="{EFC8F163-1BBD-4790-A36E-D954EE7F7B7C}" type="datetimeFigureOut">
               <a:rPr lang="zh-CN" altLang="en-US" smtClean="0"/>
               <a:t>2024/3/10</a:t>
             </a:fld>
@@ -1144,7 +1144,7 @@
           <p:cNvPr id="5" name="页脚占位符 4">
             <a:extLst>
               <a:ext uri="{FF2B5EF4-FFF2-40B4-BE49-F238E27FC236}">
-                <a16:creationId xmlns:a16="http://schemas.microsoft.com/office/drawing/2014/main" id="{2C82A324-0615-997B-BEA6-EF293B5E7588}"/>
+                <a16:creationId xmlns:a16="http://schemas.microsoft.com/office/drawing/2014/main" id="{7630880E-BFAE-92CE-ACA3-FFECB708F29F}"/>
               </a:ext>
             </a:extLst>
           </p:cNvPr>
@@ -1169,7 +1169,7 @@
           <p:cNvPr id="6" name="灯片编号占位符 5">
             <a:extLst>
               <a:ext uri="{FF2B5EF4-FFF2-40B4-BE49-F238E27FC236}">
-                <a16:creationId xmlns:a16="http://schemas.microsoft.com/office/drawing/2014/main" id="{3BBE7345-B49A-6391-DE78-FC52594E5FE5}"/>
+                <a16:creationId xmlns:a16="http://schemas.microsoft.com/office/drawing/2014/main" id="{B49778BC-FB42-C5BC-24BE-185252F57AF6}"/>
               </a:ext>
             </a:extLst>
           </p:cNvPr>
@@ -1185,7 +1185,7 @@
           <a:bodyPr/>
           <a:lstStyle/>
           <a:p>
-            <a:fld id="{71AA3C16-A5F7-4149-8BF9-7E38D5B461E9}" type="slidenum">
+            <a:fld id="{483937A8-2E7D-4659-ABAB-0F66F6902903}" type="slidenum">
               <a:rPr lang="zh-CN" altLang="en-US" smtClean="0"/>
               <a:t>‹#›</a:t>
             </a:fld>
@@ -1196,7 +1196,7 @@
     </p:spTree>
     <p:extLst>
       <p:ext uri="{BB962C8B-B14F-4D97-AF65-F5344CB8AC3E}">
-        <p14:creationId xmlns:p14="http://schemas.microsoft.com/office/powerpoint/2010/main" val="3104597330"/>
+        <p14:creationId xmlns:p14="http://schemas.microsoft.com/office/powerpoint/2010/main" val="3119228734"/>
       </p:ext>
     </p:extLst>
   </p:cSld>
@@ -1228,7 +1228,7 @@
           <p:cNvPr id="2" name="标题 1">
             <a:extLst>
               <a:ext uri="{FF2B5EF4-FFF2-40B4-BE49-F238E27FC236}">
-                <a16:creationId xmlns:a16="http://schemas.microsoft.com/office/drawing/2014/main" id="{434FCF18-72A5-1F26-72CA-3968F904F37C}"/>
+                <a16:creationId xmlns:a16="http://schemas.microsoft.com/office/drawing/2014/main" id="{07F5B369-298C-52EB-D41F-EFD3DE0C23F0}"/>
               </a:ext>
             </a:extLst>
           </p:cNvPr>
@@ -1256,7 +1256,7 @@
           <p:cNvPr id="3" name="内容占位符 2">
             <a:extLst>
               <a:ext uri="{FF2B5EF4-FFF2-40B4-BE49-F238E27FC236}">
-                <a16:creationId xmlns:a16="http://schemas.microsoft.com/office/drawing/2014/main" id="{5B333800-940F-F297-7882-F27AEDDE8718}"/>
+                <a16:creationId xmlns:a16="http://schemas.microsoft.com/office/drawing/2014/main" id="{053B81FA-B33A-43C7-FF0E-C88B6DA8633E}"/>
               </a:ext>
             </a:extLst>
           </p:cNvPr>
@@ -1318,7 +1318,7 @@
           <p:cNvPr id="4" name="内容占位符 3">
             <a:extLst>
               <a:ext uri="{FF2B5EF4-FFF2-40B4-BE49-F238E27FC236}">
-                <a16:creationId xmlns:a16="http://schemas.microsoft.com/office/drawing/2014/main" id="{F9EBC2C8-91E7-1970-EA29-56EF4D64B59A}"/>
+                <a16:creationId xmlns:a16="http://schemas.microsoft.com/office/drawing/2014/main" id="{D0A1A65F-1C97-FD11-446D-83764C4B9AB6}"/>
               </a:ext>
             </a:extLst>
           </p:cNvPr>
@@ -1380,7 +1380,7 @@
           <p:cNvPr id="5" name="日期占位符 4">
             <a:extLst>
               <a:ext uri="{FF2B5EF4-FFF2-40B4-BE49-F238E27FC236}">
-                <a16:creationId xmlns:a16="http://schemas.microsoft.com/office/drawing/2014/main" id="{8EFAA8BB-920F-7A4F-C15D-6013CC20D9A2}"/>
+                <a16:creationId xmlns:a16="http://schemas.microsoft.com/office/drawing/2014/main" id="{9F9665C6-05FB-DF2F-D2F5-8732202EA004}"/>
               </a:ext>
             </a:extLst>
           </p:cNvPr>
@@ -1396,7 +1396,7 @@
           <a:bodyPr/>
           <a:lstStyle/>
           <a:p>
-            <a:fld id="{A049FD9C-C5AA-47FC-BCE1-BB631CFAA1A2}" type="datetimeFigureOut">
+            <a:fld id="{EFC8F163-1BBD-4790-A36E-D954EE7F7B7C}" type="datetimeFigureOut">
               <a:rPr lang="zh-CN" altLang="en-US" smtClean="0"/>
               <a:t>2024/3/10</a:t>
             </a:fld>
@@ -1409,7 +1409,7 @@
           <p:cNvPr id="6" name="页脚占位符 5">
             <a:extLst>
               <a:ext uri="{FF2B5EF4-FFF2-40B4-BE49-F238E27FC236}">
-                <a16:creationId xmlns:a16="http://schemas.microsoft.com/office/drawing/2014/main" id="{FD4F4693-3D14-1907-0CCD-EB82AE422864}"/>
+                <a16:creationId xmlns:a16="http://schemas.microsoft.com/office/drawing/2014/main" id="{D30C4B1F-30C4-F779-A25A-7B478E2FC3A1}"/>
               </a:ext>
             </a:extLst>
           </p:cNvPr>
@@ -1434,7 +1434,7 @@
           <p:cNvPr id="7" name="灯片编号占位符 6">
             <a:extLst>
               <a:ext uri="{FF2B5EF4-FFF2-40B4-BE49-F238E27FC236}">
-                <a16:creationId xmlns:a16="http://schemas.microsoft.com/office/drawing/2014/main" id="{25C15BBC-0B62-DB2F-9791-2D99429C6A1B}"/>
+                <a16:creationId xmlns:a16="http://schemas.microsoft.com/office/drawing/2014/main" id="{CA4FB535-5AE0-12BA-F06F-1A2F06FCDB55}"/>
               </a:ext>
             </a:extLst>
           </p:cNvPr>
@@ -1450,7 +1450,7 @@
           <a:bodyPr/>
           <a:lstStyle/>
           <a:p>
-            <a:fld id="{71AA3C16-A5F7-4149-8BF9-7E38D5B461E9}" type="slidenum">
+            <a:fld id="{483937A8-2E7D-4659-ABAB-0F66F6902903}" type="slidenum">
               <a:rPr lang="zh-CN" altLang="en-US" smtClean="0"/>
               <a:t>‹#›</a:t>
             </a:fld>
@@ -1461,7 +1461,7 @@
     </p:spTree>
     <p:extLst>
       <p:ext uri="{BB962C8B-B14F-4D97-AF65-F5344CB8AC3E}">
-        <p14:creationId xmlns:p14="http://schemas.microsoft.com/office/powerpoint/2010/main" val="3872507461"/>
+        <p14:creationId xmlns:p14="http://schemas.microsoft.com/office/powerpoint/2010/main" val="1868014656"/>
       </p:ext>
     </p:extLst>
   </p:cSld>
@@ -1493,7 +1493,7 @@
           <p:cNvPr id="2" name="标题 1">
             <a:extLst>
               <a:ext uri="{FF2B5EF4-FFF2-40B4-BE49-F238E27FC236}">
-                <a16:creationId xmlns:a16="http://schemas.microsoft.com/office/drawing/2014/main" id="{AE59D4A6-91DE-F56A-2D65-8B328F41FBE7}"/>
+                <a16:creationId xmlns:a16="http://schemas.microsoft.com/office/drawing/2014/main" id="{D6918C77-EEFB-C405-E485-B488BA1E42DA}"/>
               </a:ext>
             </a:extLst>
           </p:cNvPr>
@@ -1526,7 +1526,7 @@
           <p:cNvPr id="3" name="文本占位符 2">
             <a:extLst>
               <a:ext uri="{FF2B5EF4-FFF2-40B4-BE49-F238E27FC236}">
-                <a16:creationId xmlns:a16="http://schemas.microsoft.com/office/drawing/2014/main" id="{68D54772-0701-4E22-1DAE-36EE4185E7AB}"/>
+                <a16:creationId xmlns:a16="http://schemas.microsoft.com/office/drawing/2014/main" id="{61F4AF88-3449-DB5A-B882-FA6B6763D865}"/>
               </a:ext>
             </a:extLst>
           </p:cNvPr>
@@ -1597,7 +1597,7 @@
           <p:cNvPr id="4" name="内容占位符 3">
             <a:extLst>
               <a:ext uri="{FF2B5EF4-FFF2-40B4-BE49-F238E27FC236}">
-                <a16:creationId xmlns:a16="http://schemas.microsoft.com/office/drawing/2014/main" id="{35C1B0DA-47B2-54E6-9372-BF536B26B889}"/>
+                <a16:creationId xmlns:a16="http://schemas.microsoft.com/office/drawing/2014/main" id="{332CB1E4-9BFE-FE51-E570-2343A9A671A0}"/>
               </a:ext>
             </a:extLst>
           </p:cNvPr>
@@ -1659,7 +1659,7 @@
           <p:cNvPr id="5" name="文本占位符 4">
             <a:extLst>
               <a:ext uri="{FF2B5EF4-FFF2-40B4-BE49-F238E27FC236}">
-                <a16:creationId xmlns:a16="http://schemas.microsoft.com/office/drawing/2014/main" id="{53D1C169-9A36-65D7-D416-C1D72A45056D}"/>
+                <a16:creationId xmlns:a16="http://schemas.microsoft.com/office/drawing/2014/main" id="{04FCB790-5444-D439-692B-52AE96CF188E}"/>
               </a:ext>
             </a:extLst>
           </p:cNvPr>
@@ -1730,7 +1730,7 @@
           <p:cNvPr id="6" name="内容占位符 5">
             <a:extLst>
               <a:ext uri="{FF2B5EF4-FFF2-40B4-BE49-F238E27FC236}">
-                <a16:creationId xmlns:a16="http://schemas.microsoft.com/office/drawing/2014/main" id="{1C538871-FEB8-7002-BE53-25329261E64C}"/>
+                <a16:creationId xmlns:a16="http://schemas.microsoft.com/office/drawing/2014/main" id="{B01E9783-7F97-6D4D-42FE-5BFF33D0F72D}"/>
               </a:ext>
             </a:extLst>
           </p:cNvPr>
@@ -1792,7 +1792,7 @@
           <p:cNvPr id="7" name="日期占位符 6">
             <a:extLst>
               <a:ext uri="{FF2B5EF4-FFF2-40B4-BE49-F238E27FC236}">
-                <a16:creationId xmlns:a16="http://schemas.microsoft.com/office/drawing/2014/main" id="{78561950-E849-B9D5-FF0C-CB081C819883}"/>
+                <a16:creationId xmlns:a16="http://schemas.microsoft.com/office/drawing/2014/main" id="{AE952AFD-CF24-62A7-9D35-7DAEDD343FA2}"/>
               </a:ext>
             </a:extLst>
           </p:cNvPr>
@@ -1808,7 +1808,7 @@
           <a:bodyPr/>
           <a:lstStyle/>
           <a:p>
-            <a:fld id="{A049FD9C-C5AA-47FC-BCE1-BB631CFAA1A2}" type="datetimeFigureOut">
+            <a:fld id="{EFC8F163-1BBD-4790-A36E-D954EE7F7B7C}" type="datetimeFigureOut">
               <a:rPr lang="zh-CN" altLang="en-US" smtClean="0"/>
               <a:t>2024/3/10</a:t>
             </a:fld>
@@ -1821,7 +1821,7 @@
           <p:cNvPr id="8" name="页脚占位符 7">
             <a:extLst>
               <a:ext uri="{FF2B5EF4-FFF2-40B4-BE49-F238E27FC236}">
-                <a16:creationId xmlns:a16="http://schemas.microsoft.com/office/drawing/2014/main" id="{93F947CA-910A-ACA8-4203-DB5FA01EAB0B}"/>
+                <a16:creationId xmlns:a16="http://schemas.microsoft.com/office/drawing/2014/main" id="{D4623F7C-3FB9-B19D-72FA-4F717D40D15E}"/>
               </a:ext>
             </a:extLst>
           </p:cNvPr>
@@ -1846,7 +1846,7 @@
           <p:cNvPr id="9" name="灯片编号占位符 8">
             <a:extLst>
               <a:ext uri="{FF2B5EF4-FFF2-40B4-BE49-F238E27FC236}">
-                <a16:creationId xmlns:a16="http://schemas.microsoft.com/office/drawing/2014/main" id="{43EC8308-D481-2B02-C9BD-506EE46E3B7E}"/>
+                <a16:creationId xmlns:a16="http://schemas.microsoft.com/office/drawing/2014/main" id="{F0F84226-1512-BA74-CAE4-638DF47CE6D4}"/>
               </a:ext>
             </a:extLst>
           </p:cNvPr>
@@ -1862,7 +1862,7 @@
           <a:bodyPr/>
           <a:lstStyle/>
           <a:p>
-            <a:fld id="{71AA3C16-A5F7-4149-8BF9-7E38D5B461E9}" type="slidenum">
+            <a:fld id="{483937A8-2E7D-4659-ABAB-0F66F6902903}" type="slidenum">
               <a:rPr lang="zh-CN" altLang="en-US" smtClean="0"/>
               <a:t>‹#›</a:t>
             </a:fld>
@@ -1873,7 +1873,7 @@
     </p:spTree>
     <p:extLst>
       <p:ext uri="{BB962C8B-B14F-4D97-AF65-F5344CB8AC3E}">
-        <p14:creationId xmlns:p14="http://schemas.microsoft.com/office/powerpoint/2010/main" val="423024099"/>
+        <p14:creationId xmlns:p14="http://schemas.microsoft.com/office/powerpoint/2010/main" val="3511902274"/>
       </p:ext>
     </p:extLst>
   </p:cSld>
@@ -1905,7 +1905,7 @@
           <p:cNvPr id="2" name="标题 1">
             <a:extLst>
               <a:ext uri="{FF2B5EF4-FFF2-40B4-BE49-F238E27FC236}">
-                <a16:creationId xmlns:a16="http://schemas.microsoft.com/office/drawing/2014/main" id="{1E32A843-042A-2E9F-3E55-267149B9D398}"/>
+                <a16:creationId xmlns:a16="http://schemas.microsoft.com/office/drawing/2014/main" id="{E653781A-2BF2-A0C1-175F-1649EDA3204F}"/>
               </a:ext>
             </a:extLst>
           </p:cNvPr>
@@ -1933,7 +1933,7 @@
           <p:cNvPr id="3" name="日期占位符 2">
             <a:extLst>
               <a:ext uri="{FF2B5EF4-FFF2-40B4-BE49-F238E27FC236}">
-                <a16:creationId xmlns:a16="http://schemas.microsoft.com/office/drawing/2014/main" id="{B455A62C-FDE8-1ECD-BCED-2BADEB353007}"/>
+                <a16:creationId xmlns:a16="http://schemas.microsoft.com/office/drawing/2014/main" id="{9D7C615D-12F2-C234-8891-77C032E79F58}"/>
               </a:ext>
             </a:extLst>
           </p:cNvPr>
@@ -1949,7 +1949,7 @@
           <a:bodyPr/>
           <a:lstStyle/>
           <a:p>
-            <a:fld id="{A049FD9C-C5AA-47FC-BCE1-BB631CFAA1A2}" type="datetimeFigureOut">
+            <a:fld id="{EFC8F163-1BBD-4790-A36E-D954EE7F7B7C}" type="datetimeFigureOut">
               <a:rPr lang="zh-CN" altLang="en-US" smtClean="0"/>
               <a:t>2024/3/10</a:t>
             </a:fld>
@@ -1962,7 +1962,7 @@
           <p:cNvPr id="4" name="页脚占位符 3">
             <a:extLst>
               <a:ext uri="{FF2B5EF4-FFF2-40B4-BE49-F238E27FC236}">
-                <a16:creationId xmlns:a16="http://schemas.microsoft.com/office/drawing/2014/main" id="{10A40704-8D57-9BDF-ADA1-7472D80FE1A2}"/>
+                <a16:creationId xmlns:a16="http://schemas.microsoft.com/office/drawing/2014/main" id="{1A8414A9-C978-A0B6-BBA0-86B25DAC12A3}"/>
               </a:ext>
             </a:extLst>
           </p:cNvPr>
@@ -1987,7 +1987,7 @@
           <p:cNvPr id="5" name="灯片编号占位符 4">
             <a:extLst>
               <a:ext uri="{FF2B5EF4-FFF2-40B4-BE49-F238E27FC236}">
-                <a16:creationId xmlns:a16="http://schemas.microsoft.com/office/drawing/2014/main" id="{98C5EB34-442D-F92C-4412-050F1BC01487}"/>
+                <a16:creationId xmlns:a16="http://schemas.microsoft.com/office/drawing/2014/main" id="{798C72B5-7296-6CA5-0092-B6DD53027231}"/>
               </a:ext>
             </a:extLst>
           </p:cNvPr>
@@ -2003,7 +2003,7 @@
           <a:bodyPr/>
           <a:lstStyle/>
           <a:p>
-            <a:fld id="{71AA3C16-A5F7-4149-8BF9-7E38D5B461E9}" type="slidenum">
+            <a:fld id="{483937A8-2E7D-4659-ABAB-0F66F6902903}" type="slidenum">
               <a:rPr lang="zh-CN" altLang="en-US" smtClean="0"/>
               <a:t>‹#›</a:t>
             </a:fld>
@@ -2014,7 +2014,7 @@
     </p:spTree>
     <p:extLst>
       <p:ext uri="{BB962C8B-B14F-4D97-AF65-F5344CB8AC3E}">
-        <p14:creationId xmlns:p14="http://schemas.microsoft.com/office/powerpoint/2010/main" val="2433292450"/>
+        <p14:creationId xmlns:p14="http://schemas.microsoft.com/office/powerpoint/2010/main" val="270923396"/>
       </p:ext>
     </p:extLst>
   </p:cSld>
@@ -2046,7 +2046,7 @@
           <p:cNvPr id="2" name="日期占位符 1">
             <a:extLst>
               <a:ext uri="{FF2B5EF4-FFF2-40B4-BE49-F238E27FC236}">
-                <a16:creationId xmlns:a16="http://schemas.microsoft.com/office/drawing/2014/main" id="{0E8B3E80-E005-95E0-F11A-DC21D0B7D9EE}"/>
+                <a16:creationId xmlns:a16="http://schemas.microsoft.com/office/drawing/2014/main" id="{4802B912-0D72-F2DE-7EF2-EEE2D6575247}"/>
               </a:ext>
             </a:extLst>
           </p:cNvPr>
@@ -2062,7 +2062,7 @@
           <a:bodyPr/>
           <a:lstStyle/>
           <a:p>
-            <a:fld id="{A049FD9C-C5AA-47FC-BCE1-BB631CFAA1A2}" type="datetimeFigureOut">
+            <a:fld id="{EFC8F163-1BBD-4790-A36E-D954EE7F7B7C}" type="datetimeFigureOut">
               <a:rPr lang="zh-CN" altLang="en-US" smtClean="0"/>
               <a:t>2024/3/10</a:t>
             </a:fld>
@@ -2075,7 +2075,7 @@
           <p:cNvPr id="3" name="页脚占位符 2">
             <a:extLst>
               <a:ext uri="{FF2B5EF4-FFF2-40B4-BE49-F238E27FC236}">
-                <a16:creationId xmlns:a16="http://schemas.microsoft.com/office/drawing/2014/main" id="{8DE910D2-64AF-3734-FC05-BAE13C701870}"/>
+                <a16:creationId xmlns:a16="http://schemas.microsoft.com/office/drawing/2014/main" id="{904225E8-BF1A-B8E3-D745-08585E5636A2}"/>
               </a:ext>
             </a:extLst>
           </p:cNvPr>
@@ -2100,7 +2100,7 @@
           <p:cNvPr id="4" name="灯片编号占位符 3">
             <a:extLst>
               <a:ext uri="{FF2B5EF4-FFF2-40B4-BE49-F238E27FC236}">
-                <a16:creationId xmlns:a16="http://schemas.microsoft.com/office/drawing/2014/main" id="{5904AA87-E5C8-6499-1163-BA8DA69808D5}"/>
+                <a16:creationId xmlns:a16="http://schemas.microsoft.com/office/drawing/2014/main" id="{5FD2D721-D863-3992-784D-947C91D02871}"/>
               </a:ext>
             </a:extLst>
           </p:cNvPr>
@@ -2116,7 +2116,7 @@
           <a:bodyPr/>
           <a:lstStyle/>
           <a:p>
-            <a:fld id="{71AA3C16-A5F7-4149-8BF9-7E38D5B461E9}" type="slidenum">
+            <a:fld id="{483937A8-2E7D-4659-ABAB-0F66F6902903}" type="slidenum">
               <a:rPr lang="zh-CN" altLang="en-US" smtClean="0"/>
               <a:t>‹#›</a:t>
             </a:fld>
@@ -2127,7 +2127,7 @@
     </p:spTree>
     <p:extLst>
       <p:ext uri="{BB962C8B-B14F-4D97-AF65-F5344CB8AC3E}">
-        <p14:creationId xmlns:p14="http://schemas.microsoft.com/office/powerpoint/2010/main" val="4115200383"/>
+        <p14:creationId xmlns:p14="http://schemas.microsoft.com/office/powerpoint/2010/main" val="1775012269"/>
       </p:ext>
     </p:extLst>
   </p:cSld>
@@ -2159,7 +2159,7 @@
           <p:cNvPr id="2" name="标题 1">
             <a:extLst>
               <a:ext uri="{FF2B5EF4-FFF2-40B4-BE49-F238E27FC236}">
-                <a16:creationId xmlns:a16="http://schemas.microsoft.com/office/drawing/2014/main" id="{B2BE1F5A-F42F-6CC5-96B3-758CA437B7AF}"/>
+                <a16:creationId xmlns:a16="http://schemas.microsoft.com/office/drawing/2014/main" id="{E4B9BD72-A8E8-CEBD-53CD-950098FEB512}"/>
               </a:ext>
             </a:extLst>
           </p:cNvPr>
@@ -2196,7 +2196,7 @@
           <p:cNvPr id="3" name="内容占位符 2">
             <a:extLst>
               <a:ext uri="{FF2B5EF4-FFF2-40B4-BE49-F238E27FC236}">
-                <a16:creationId xmlns:a16="http://schemas.microsoft.com/office/drawing/2014/main" id="{08663F0C-FD32-6396-9467-38AD39C2F279}"/>
+                <a16:creationId xmlns:a16="http://schemas.microsoft.com/office/drawing/2014/main" id="{350C55F7-12F3-982C-5CA9-8304E05D0493}"/>
               </a:ext>
             </a:extLst>
           </p:cNvPr>
@@ -2286,7 +2286,7 @@
           <p:cNvPr id="4" name="文本占位符 3">
             <a:extLst>
               <a:ext uri="{FF2B5EF4-FFF2-40B4-BE49-F238E27FC236}">
-                <a16:creationId xmlns:a16="http://schemas.microsoft.com/office/drawing/2014/main" id="{D502913C-9A17-9C4F-AF3A-57AF9130C57D}"/>
+                <a16:creationId xmlns:a16="http://schemas.microsoft.com/office/drawing/2014/main" id="{F2ED4C15-B2BF-1705-F757-D58C1EE8AAD0}"/>
               </a:ext>
             </a:extLst>
           </p:cNvPr>
@@ -2357,7 +2357,7 @@
           <p:cNvPr id="5" name="日期占位符 4">
             <a:extLst>
               <a:ext uri="{FF2B5EF4-FFF2-40B4-BE49-F238E27FC236}">
-                <a16:creationId xmlns:a16="http://schemas.microsoft.com/office/drawing/2014/main" id="{E14B0059-701D-E43D-EFF6-2B2E151F8AC0}"/>
+                <a16:creationId xmlns:a16="http://schemas.microsoft.com/office/drawing/2014/main" id="{06E44BA6-6852-19F2-E78C-FA527CE4DA5B}"/>
               </a:ext>
             </a:extLst>
           </p:cNvPr>
@@ -2373,7 +2373,7 @@
           <a:bodyPr/>
           <a:lstStyle/>
           <a:p>
-            <a:fld id="{A049FD9C-C5AA-47FC-BCE1-BB631CFAA1A2}" type="datetimeFigureOut">
+            <a:fld id="{EFC8F163-1BBD-4790-A36E-D954EE7F7B7C}" type="datetimeFigureOut">
               <a:rPr lang="zh-CN" altLang="en-US" smtClean="0"/>
               <a:t>2024/3/10</a:t>
             </a:fld>
@@ -2386,7 +2386,7 @@
           <p:cNvPr id="6" name="页脚占位符 5">
             <a:extLst>
               <a:ext uri="{FF2B5EF4-FFF2-40B4-BE49-F238E27FC236}">
-                <a16:creationId xmlns:a16="http://schemas.microsoft.com/office/drawing/2014/main" id="{D2211E99-7A6A-C78F-3DD0-B579BAFD0BE7}"/>
+                <a16:creationId xmlns:a16="http://schemas.microsoft.com/office/drawing/2014/main" id="{EE1BF317-2BAC-152A-345A-13374516C29F}"/>
               </a:ext>
             </a:extLst>
           </p:cNvPr>
@@ -2411,7 +2411,7 @@
           <p:cNvPr id="7" name="灯片编号占位符 6">
             <a:extLst>
               <a:ext uri="{FF2B5EF4-FFF2-40B4-BE49-F238E27FC236}">
-                <a16:creationId xmlns:a16="http://schemas.microsoft.com/office/drawing/2014/main" id="{71035F9C-F3D0-A81D-A280-145FF12AA75C}"/>
+                <a16:creationId xmlns:a16="http://schemas.microsoft.com/office/drawing/2014/main" id="{6B446C19-68D6-EC8A-CE57-5FD2DECEEF28}"/>
               </a:ext>
             </a:extLst>
           </p:cNvPr>
@@ -2427,7 +2427,7 @@
           <a:bodyPr/>
           <a:lstStyle/>
           <a:p>
-            <a:fld id="{71AA3C16-A5F7-4149-8BF9-7E38D5B461E9}" type="slidenum">
+            <a:fld id="{483937A8-2E7D-4659-ABAB-0F66F6902903}" type="slidenum">
               <a:rPr lang="zh-CN" altLang="en-US" smtClean="0"/>
               <a:t>‹#›</a:t>
             </a:fld>
@@ -2438,7 +2438,7 @@
     </p:spTree>
     <p:extLst>
       <p:ext uri="{BB962C8B-B14F-4D97-AF65-F5344CB8AC3E}">
-        <p14:creationId xmlns:p14="http://schemas.microsoft.com/office/powerpoint/2010/main" val="4258842676"/>
+        <p14:creationId xmlns:p14="http://schemas.microsoft.com/office/powerpoint/2010/main" val="855168933"/>
       </p:ext>
     </p:extLst>
   </p:cSld>
@@ -2470,7 +2470,7 @@
           <p:cNvPr id="2" name="标题 1">
             <a:extLst>
               <a:ext uri="{FF2B5EF4-FFF2-40B4-BE49-F238E27FC236}">
-                <a16:creationId xmlns:a16="http://schemas.microsoft.com/office/drawing/2014/main" id="{75164D8D-FD7C-CD9B-1204-C5A21503CC3A}"/>
+                <a16:creationId xmlns:a16="http://schemas.microsoft.com/office/drawing/2014/main" id="{1292D5D4-6241-0CFF-BCFA-9E1202965542}"/>
               </a:ext>
             </a:extLst>
           </p:cNvPr>
@@ -2507,7 +2507,7 @@
           <p:cNvPr id="3" name="图片占位符 2">
             <a:extLst>
               <a:ext uri="{FF2B5EF4-FFF2-40B4-BE49-F238E27FC236}">
-                <a16:creationId xmlns:a16="http://schemas.microsoft.com/office/drawing/2014/main" id="{DC9DC1A9-12FE-1D30-9EBD-EF3D2B83E226}"/>
+                <a16:creationId xmlns:a16="http://schemas.microsoft.com/office/drawing/2014/main" id="{8356453E-06DA-3CA2-A48A-02E775372D92}"/>
               </a:ext>
             </a:extLst>
           </p:cNvPr>
@@ -2574,7 +2574,7 @@
           <p:cNvPr id="4" name="文本占位符 3">
             <a:extLst>
               <a:ext uri="{FF2B5EF4-FFF2-40B4-BE49-F238E27FC236}">
-                <a16:creationId xmlns:a16="http://schemas.microsoft.com/office/drawing/2014/main" id="{3782D13A-15E3-B0F2-68B9-B57FC1845076}"/>
+                <a16:creationId xmlns:a16="http://schemas.microsoft.com/office/drawing/2014/main" id="{923E89AF-2598-BEAC-1FB8-83245118A923}"/>
               </a:ext>
             </a:extLst>
           </p:cNvPr>
@@ -2645,7 +2645,7 @@
           <p:cNvPr id="5" name="日期占位符 4">
             <a:extLst>
               <a:ext uri="{FF2B5EF4-FFF2-40B4-BE49-F238E27FC236}">
-                <a16:creationId xmlns:a16="http://schemas.microsoft.com/office/drawing/2014/main" id="{A5659A8B-F026-1080-8A8C-5D0DDB966A29}"/>
+                <a16:creationId xmlns:a16="http://schemas.microsoft.com/office/drawing/2014/main" id="{95612093-9CFC-9FBE-3549-B556C83AD042}"/>
               </a:ext>
             </a:extLst>
           </p:cNvPr>
@@ -2661,7 +2661,7 @@
           <a:bodyPr/>
           <a:lstStyle/>
           <a:p>
-            <a:fld id="{A049FD9C-C5AA-47FC-BCE1-BB631CFAA1A2}" type="datetimeFigureOut">
+            <a:fld id="{EFC8F163-1BBD-4790-A36E-D954EE7F7B7C}" type="datetimeFigureOut">
               <a:rPr lang="zh-CN" altLang="en-US" smtClean="0"/>
               <a:t>2024/3/10</a:t>
             </a:fld>
@@ -2674,7 +2674,7 @@
           <p:cNvPr id="6" name="页脚占位符 5">
             <a:extLst>
               <a:ext uri="{FF2B5EF4-FFF2-40B4-BE49-F238E27FC236}">
-                <a16:creationId xmlns:a16="http://schemas.microsoft.com/office/drawing/2014/main" id="{B093D3D4-75AC-1EB5-5864-2C7C83D47B82}"/>
+                <a16:creationId xmlns:a16="http://schemas.microsoft.com/office/drawing/2014/main" id="{2C14760E-C8D2-9FC0-D510-3CC2208D86C3}"/>
               </a:ext>
             </a:extLst>
           </p:cNvPr>
@@ -2699,7 +2699,7 @@
           <p:cNvPr id="7" name="灯片编号占位符 6">
             <a:extLst>
               <a:ext uri="{FF2B5EF4-FFF2-40B4-BE49-F238E27FC236}">
-                <a16:creationId xmlns:a16="http://schemas.microsoft.com/office/drawing/2014/main" id="{BADE4A95-C855-1EC8-11A3-E12C1B2A6A96}"/>
+                <a16:creationId xmlns:a16="http://schemas.microsoft.com/office/drawing/2014/main" id="{746264F8-E3C4-AF57-E701-A8BA9CCBED0A}"/>
               </a:ext>
             </a:extLst>
           </p:cNvPr>
@@ -2715,7 +2715,7 @@
           <a:bodyPr/>
           <a:lstStyle/>
           <a:p>
-            <a:fld id="{71AA3C16-A5F7-4149-8BF9-7E38D5B461E9}" type="slidenum">
+            <a:fld id="{483937A8-2E7D-4659-ABAB-0F66F6902903}" type="slidenum">
               <a:rPr lang="zh-CN" altLang="en-US" smtClean="0"/>
               <a:t>‹#›</a:t>
             </a:fld>
@@ -2726,7 +2726,7 @@
     </p:spTree>
     <p:extLst>
       <p:ext uri="{BB962C8B-B14F-4D97-AF65-F5344CB8AC3E}">
-        <p14:creationId xmlns:p14="http://schemas.microsoft.com/office/powerpoint/2010/main" val="3932406529"/>
+        <p14:creationId xmlns:p14="http://schemas.microsoft.com/office/powerpoint/2010/main" val="435304211"/>
       </p:ext>
     </p:extLst>
   </p:cSld>
@@ -2763,7 +2763,7 @@
           <p:cNvPr id="2" name="标题占位符 1">
             <a:extLst>
               <a:ext uri="{FF2B5EF4-FFF2-40B4-BE49-F238E27FC236}">
-                <a16:creationId xmlns:a16="http://schemas.microsoft.com/office/drawing/2014/main" id="{329629EE-4CAF-5029-79B1-601510C5B4D7}"/>
+                <a16:creationId xmlns:a16="http://schemas.microsoft.com/office/drawing/2014/main" id="{EAB660CF-4DF8-6117-5931-B2612E09C32D}"/>
               </a:ext>
             </a:extLst>
           </p:cNvPr>
@@ -2801,7 +2801,7 @@
           <p:cNvPr id="3" name="文本占位符 2">
             <a:extLst>
               <a:ext uri="{FF2B5EF4-FFF2-40B4-BE49-F238E27FC236}">
-                <a16:creationId xmlns:a16="http://schemas.microsoft.com/office/drawing/2014/main" id="{7FEEB01B-5553-FAEA-BABC-388E3A824AE1}"/>
+                <a16:creationId xmlns:a16="http://schemas.microsoft.com/office/drawing/2014/main" id="{14338E4F-AE3D-C926-5D37-00365DBEB2C0}"/>
               </a:ext>
             </a:extLst>
           </p:cNvPr>
@@ -2868,7 +2868,7 @@
           <p:cNvPr id="4" name="日期占位符 3">
             <a:extLst>
               <a:ext uri="{FF2B5EF4-FFF2-40B4-BE49-F238E27FC236}">
-                <a16:creationId xmlns:a16="http://schemas.microsoft.com/office/drawing/2014/main" id="{FAC471C7-D560-1327-0191-FBC9E7BE6E08}"/>
+                <a16:creationId xmlns:a16="http://schemas.microsoft.com/office/drawing/2014/main" id="{7CA8775C-DFB2-C1B3-4245-8387BB483B68}"/>
               </a:ext>
             </a:extLst>
           </p:cNvPr>
@@ -2902,7 +2902,7 @@
             </a:lvl1pPr>
           </a:lstStyle>
           <a:p>
-            <a:fld id="{A049FD9C-C5AA-47FC-BCE1-BB631CFAA1A2}" type="datetimeFigureOut">
+            <a:fld id="{EFC8F163-1BBD-4790-A36E-D954EE7F7B7C}" type="datetimeFigureOut">
               <a:rPr lang="zh-CN" altLang="en-US" smtClean="0"/>
               <a:t>2024/3/10</a:t>
             </a:fld>
@@ -2915,7 +2915,7 @@
           <p:cNvPr id="5" name="页脚占位符 4">
             <a:extLst>
               <a:ext uri="{FF2B5EF4-FFF2-40B4-BE49-F238E27FC236}">
-                <a16:creationId xmlns:a16="http://schemas.microsoft.com/office/drawing/2014/main" id="{8FF63C32-8B75-8BC8-DCAC-DB044913F7BC}"/>
+                <a16:creationId xmlns:a16="http://schemas.microsoft.com/office/drawing/2014/main" id="{1F615CCD-E791-C47F-31E7-F19813272B58}"/>
               </a:ext>
             </a:extLst>
           </p:cNvPr>
@@ -2958,7 +2958,7 @@
           <p:cNvPr id="6" name="灯片编号占位符 5">
             <a:extLst>
               <a:ext uri="{FF2B5EF4-FFF2-40B4-BE49-F238E27FC236}">
-                <a16:creationId xmlns:a16="http://schemas.microsoft.com/office/drawing/2014/main" id="{BEA329D5-3C88-1CF9-B0FB-74DADF5382EA}"/>
+                <a16:creationId xmlns:a16="http://schemas.microsoft.com/office/drawing/2014/main" id="{836F1330-34D9-318C-67AA-43A9DEFAD6FB}"/>
               </a:ext>
             </a:extLst>
           </p:cNvPr>
@@ -2992,7 +2992,7 @@
             </a:lvl1pPr>
           </a:lstStyle>
           <a:p>
-            <a:fld id="{71AA3C16-A5F7-4149-8BF9-7E38D5B461E9}" type="slidenum">
+            <a:fld id="{483937A8-2E7D-4659-ABAB-0F66F6902903}" type="slidenum">
               <a:rPr lang="zh-CN" altLang="en-US" smtClean="0"/>
               <a:t>‹#›</a:t>
             </a:fld>
@@ -3003,7 +3003,7 @@
     </p:spTree>
     <p:extLst>
       <p:ext uri="{BB962C8B-B14F-4D97-AF65-F5344CB8AC3E}">
-        <p14:creationId xmlns:p14="http://schemas.microsoft.com/office/powerpoint/2010/main" val="812497942"/>
+        <p14:creationId xmlns:p14="http://schemas.microsoft.com/office/powerpoint/2010/main" val="1796622886"/>
       </p:ext>
     </p:extLst>
   </p:cSld>
